--- a/Diapositivas/5. Web Testing.pptx
+++ b/Diapositivas/5. Web Testing.pptx
@@ -5,7 +5,7 @@
     <p:sldMasterId id="2147483684" r:id="rId1"/>
   </p:sldMasterIdLst>
   <p:notesMasterIdLst>
-    <p:notesMasterId r:id="rId31"/>
+    <p:notesMasterId r:id="rId32"/>
   </p:notesMasterIdLst>
   <p:sldIdLst>
     <p:sldId id="701" r:id="rId2"/>
@@ -32,11 +32,12 @@
     <p:sldId id="696" r:id="rId23"/>
     <p:sldId id="697" r:id="rId24"/>
     <p:sldId id="651" r:id="rId25"/>
-    <p:sldId id="648" r:id="rId26"/>
-    <p:sldId id="698" r:id="rId27"/>
-    <p:sldId id="646" r:id="rId28"/>
-    <p:sldId id="702" r:id="rId29"/>
-    <p:sldId id="600" r:id="rId30"/>
+    <p:sldId id="703" r:id="rId26"/>
+    <p:sldId id="648" r:id="rId27"/>
+    <p:sldId id="698" r:id="rId28"/>
+    <p:sldId id="646" r:id="rId29"/>
+    <p:sldId id="702" r:id="rId30"/>
+    <p:sldId id="600" r:id="rId31"/>
   </p:sldIdLst>
   <p:sldSz cx="9144000" cy="6858000" type="screen4x3"/>
   <p:notesSz cx="6858000" cy="9144000"/>
@@ -135,7 +136,22 @@
       </a:defRPr>
     </a:lvl9pPr>
   </p:defaultTextStyle>
-  <p:extLst/>
+  <p:extLst>
+    <p:ext uri="{EFAFB233-063F-42B5-8137-9DF3F51BA10A}">
+      <p15:sldGuideLst xmlns:p15="http://schemas.microsoft.com/office/powerpoint/2012/main">
+        <p15:guide id="1" orient="horz" pos="2160">
+          <p15:clr>
+            <a:srgbClr val="A4A3A4"/>
+          </p15:clr>
+        </p15:guide>
+        <p15:guide id="2" pos="2880">
+          <p15:clr>
+            <a:srgbClr val="A4A3A4"/>
+          </p15:clr>
+        </p15:guide>
+      </p15:sldGuideLst>
+    </p:ext>
+  </p:extLst>
 </p:presentation>
 </file>
 
@@ -148,7 +164,7 @@
 <file path=ppt/charts/chart1.xml><?xml version="1.0" encoding="utf-8"?>
 <c:chartSpace xmlns:c="http://schemas.openxmlformats.org/drawingml/2006/chart" xmlns:a="http://schemas.openxmlformats.org/drawingml/2006/main" xmlns:r="http://schemas.openxmlformats.org/officeDocument/2006/relationships">
   <c:date1904 val="0"/>
-  <c:lang val="es-PE"/>
+  <c:lang val="es-ES"/>
   <c:roundedCorners val="0"/>
   <mc:AlternateContent xmlns:mc="http://schemas.openxmlformats.org/markup-compatibility/2006">
     <mc:Choice xmlns:c14="http://schemas.microsoft.com/office/drawing/2007/8/2/chart" Requires="c14">
@@ -164,7 +180,6 @@
       <c:rotX val="30"/>
       <c:rotY val="170"/>
       <c:rAngAx val="0"/>
-      <c:perspective val="30"/>
     </c:view3D>
     <c:floor>
       <c:thickness val="0"/>
@@ -363,7 +378,7 @@
           <a:p>
             <a:fld id="{63D5FC4C-9EE1-4746-A368-724F618FC790}" type="datetimeFigureOut">
               <a:rPr lang="es-PE" smtClean="0"/>
-              <a:t>05/02/2013</a:t>
+              <a:t>19/12/2013</a:t>
             </a:fld>
             <a:endParaRPr lang="es-PE"/>
           </a:p>
@@ -3925,7 +3940,7 @@
     </p:spTree>
     <p:extLst>
       <p:ext uri="{BB962C8B-B14F-4D97-AF65-F5344CB8AC3E}">
-        <p14:creationId xmlns:p14="http://schemas.microsoft.com/office/powerpoint/2010/main" val="3432092158"/>
+        <p14:creationId xmlns:p14="http://schemas.microsoft.com/office/powerpoint/2010/main" val="2835411702"/>
       </p:ext>
     </p:extLst>
   </p:cSld>
@@ -3979,15 +3994,24 @@
           <a:bodyPr/>
           <a:lstStyle/>
           <a:p>
-            <a:pPr marL="0" indent="0">
+            <a:pPr marL="0" marR="0" indent="0" algn="l" defTabSz="914400" rtl="0" eaLnBrk="1" fontAlgn="auto" latinLnBrk="0" hangingPunct="1">
+              <a:lnSpc>
+                <a:spcPct val="100000"/>
+              </a:lnSpc>
+              <a:spcBef>
+                <a:spcPts val="0"/>
+              </a:spcBef>
+              <a:spcAft>
+                <a:spcPts val="0"/>
+              </a:spcAft>
+              <a:buClrTx/>
+              <a:buSzTx/>
               <a:buFontTx/>
               <a:buNone/>
+              <a:tabLst/>
+              <a:defRPr/>
             </a:pPr>
-            <a:r>
-              <a:rPr lang="es-PE" noProof="0" dirty="0" smtClean="0"/>
-              <a:t>translate.reference.com</a:t>
-            </a:r>
-            <a:endParaRPr lang="es-PE" noProof="0" dirty="0"/>
+            <a:endParaRPr lang="es-PE" dirty="0"/>
           </a:p>
         </p:txBody>
       </p:sp>
@@ -4010,7 +4034,7 @@
               <a:rPr lang="es-PE" smtClean="0"/>
               <a:t>26</a:t>
             </a:fld>
-            <a:endParaRPr lang="es-PE" dirty="0"/>
+            <a:endParaRPr lang="es-PE"/>
           </a:p>
         </p:txBody>
       </p:sp>
@@ -4071,7 +4095,15 @@
           <a:bodyPr/>
           <a:lstStyle/>
           <a:p>
-            <a:endParaRPr lang="es-PE" dirty="0"/>
+            <a:pPr marL="0" indent="0">
+              <a:buFontTx/>
+              <a:buNone/>
+            </a:pPr>
+            <a:r>
+              <a:rPr lang="es-PE" noProof="0" dirty="0" smtClean="0"/>
+              <a:t>translate.reference.com</a:t>
+            </a:r>
+            <a:endParaRPr lang="es-PE" noProof="0" dirty="0"/>
           </a:p>
         </p:txBody>
       </p:sp>
@@ -4094,7 +4126,7 @@
               <a:rPr lang="es-PE" smtClean="0"/>
               <a:t>27</a:t>
             </a:fld>
-            <a:endParaRPr lang="es-PE"/>
+            <a:endParaRPr lang="es-PE" dirty="0"/>
           </a:p>
         </p:txBody>
       </p:sp>
@@ -4363,6 +4395,90 @@
 </p:notes>
 </file>
 
+<file path=ppt/notesSlides/notesSlide30.xml><?xml version="1.0" encoding="utf-8"?>
+<p:notes xmlns:a="http://schemas.openxmlformats.org/drawingml/2006/main" xmlns:r="http://schemas.openxmlformats.org/officeDocument/2006/relationships" xmlns:p="http://schemas.openxmlformats.org/presentationml/2006/main">
+  <p:cSld>
+    <p:spTree>
+      <p:nvGrpSpPr>
+        <p:cNvPr id="1" name=""/>
+        <p:cNvGrpSpPr/>
+        <p:nvPr/>
+      </p:nvGrpSpPr>
+      <p:grpSpPr>
+        <a:xfrm>
+          <a:off x="0" y="0"/>
+          <a:ext cx="0" cy="0"/>
+          <a:chOff x="0" y="0"/>
+          <a:chExt cx="0" cy="0"/>
+        </a:xfrm>
+      </p:grpSpPr>
+      <p:sp>
+        <p:nvSpPr>
+          <p:cNvPr id="2" name="1 Marcador de imagen de diapositiva"/>
+          <p:cNvSpPr>
+            <a:spLocks noGrp="1" noRot="1" noChangeAspect="1"/>
+          </p:cNvSpPr>
+          <p:nvPr>
+            <p:ph type="sldImg"/>
+          </p:nvPr>
+        </p:nvSpPr>
+        <p:spPr/>
+      </p:sp>
+      <p:sp>
+        <p:nvSpPr>
+          <p:cNvPr id="3" name="2 Marcador de notas"/>
+          <p:cNvSpPr>
+            <a:spLocks noGrp="1"/>
+          </p:cNvSpPr>
+          <p:nvPr>
+            <p:ph type="body" idx="1"/>
+          </p:nvPr>
+        </p:nvSpPr>
+        <p:spPr/>
+        <p:txBody>
+          <a:bodyPr/>
+          <a:lstStyle/>
+          <a:p>
+            <a:endParaRPr lang="es-PE" dirty="0"/>
+          </a:p>
+        </p:txBody>
+      </p:sp>
+      <p:sp>
+        <p:nvSpPr>
+          <p:cNvPr id="4" name="3 Marcador de número de diapositiva"/>
+          <p:cNvSpPr>
+            <a:spLocks noGrp="1"/>
+          </p:cNvSpPr>
+          <p:nvPr>
+            <p:ph type="sldNum" sz="quarter" idx="10"/>
+          </p:nvPr>
+        </p:nvSpPr>
+        <p:spPr/>
+        <p:txBody>
+          <a:bodyPr/>
+          <a:lstStyle/>
+          <a:p>
+            <a:fld id="{80C14895-23C8-45AE-85D5-3B35E5980A68}" type="slidenum">
+              <a:rPr lang="es-PE" smtClean="0"/>
+              <a:t>30</a:t>
+            </a:fld>
+            <a:endParaRPr lang="es-PE"/>
+          </a:p>
+        </p:txBody>
+      </p:sp>
+    </p:spTree>
+    <p:extLst>
+      <p:ext uri="{BB962C8B-B14F-4D97-AF65-F5344CB8AC3E}">
+        <p14:creationId xmlns:p14="http://schemas.microsoft.com/office/powerpoint/2010/main" val="3432092158"/>
+      </p:ext>
+    </p:extLst>
+  </p:cSld>
+  <p:clrMapOvr>
+    <a:masterClrMapping/>
+  </p:clrMapOvr>
+</p:notes>
+</file>
+
 <file path=ppt/notesSlides/notesSlide4.xml><?xml version="1.0" encoding="utf-8"?>
 <p:notes xmlns:a="http://schemas.openxmlformats.org/drawingml/2006/main" xmlns:r="http://schemas.openxmlformats.org/officeDocument/2006/relationships" xmlns:p="http://schemas.openxmlformats.org/presentationml/2006/main">
   <p:cSld>
@@ -5318,7 +5434,7 @@
             <a:fld id="{807CB568-C05F-482F-9F26-AA302B8892DF}" type="datetimeFigureOut">
               <a:rPr lang="es-ES" smtClean="0"/>
               <a:pPr/>
-              <a:t>05/02/2013</a:t>
+              <a:t>19/12/2013</a:t>
             </a:fld>
             <a:endParaRPr lang="es-ES"/>
           </a:p>
@@ -5497,7 +5613,7 @@
             <a:fld id="{807CB568-C05F-482F-9F26-AA302B8892DF}" type="datetimeFigureOut">
               <a:rPr lang="es-ES" smtClean="0"/>
               <a:pPr/>
-              <a:t>05/02/2013</a:t>
+              <a:t>19/12/2013</a:t>
             </a:fld>
             <a:endParaRPr lang="es-ES"/>
           </a:p>
@@ -5686,7 +5802,7 @@
             <a:fld id="{807CB568-C05F-482F-9F26-AA302B8892DF}" type="datetimeFigureOut">
               <a:rPr lang="es-ES" smtClean="0"/>
               <a:pPr/>
-              <a:t>05/02/2013</a:t>
+              <a:t>19/12/2013</a:t>
             </a:fld>
             <a:endParaRPr lang="es-ES"/>
           </a:p>
@@ -5865,7 +5981,7 @@
             <a:fld id="{807CB568-C05F-482F-9F26-AA302B8892DF}" type="datetimeFigureOut">
               <a:rPr lang="es-ES" smtClean="0"/>
               <a:pPr/>
-              <a:t>05/02/2013</a:t>
+              <a:t>19/12/2013</a:t>
             </a:fld>
             <a:endParaRPr lang="es-ES"/>
           </a:p>
@@ -6120,7 +6236,7 @@
             <a:fld id="{807CB568-C05F-482F-9F26-AA302B8892DF}" type="datetimeFigureOut">
               <a:rPr lang="es-ES" smtClean="0"/>
               <a:pPr/>
-              <a:t>05/02/2013</a:t>
+              <a:t>19/12/2013</a:t>
             </a:fld>
             <a:endParaRPr lang="es-ES"/>
           </a:p>
@@ -6417,7 +6533,7 @@
             <a:fld id="{807CB568-C05F-482F-9F26-AA302B8892DF}" type="datetimeFigureOut">
               <a:rPr lang="es-ES" smtClean="0"/>
               <a:pPr/>
-              <a:t>05/02/2013</a:t>
+              <a:t>19/12/2013</a:t>
             </a:fld>
             <a:endParaRPr lang="es-ES"/>
           </a:p>
@@ -6848,7 +6964,7 @@
             <a:fld id="{807CB568-C05F-482F-9F26-AA302B8892DF}" type="datetimeFigureOut">
               <a:rPr lang="es-ES" smtClean="0"/>
               <a:pPr/>
-              <a:t>05/02/2013</a:t>
+              <a:t>19/12/2013</a:t>
             </a:fld>
             <a:endParaRPr lang="es-ES"/>
           </a:p>
@@ -6975,7 +7091,7 @@
             <a:fld id="{807CB568-C05F-482F-9F26-AA302B8892DF}" type="datetimeFigureOut">
               <a:rPr lang="es-ES" smtClean="0"/>
               <a:pPr/>
-              <a:t>05/02/2013</a:t>
+              <a:t>19/12/2013</a:t>
             </a:fld>
             <a:endParaRPr lang="es-ES"/>
           </a:p>
@@ -7079,7 +7195,7 @@
             <a:fld id="{807CB568-C05F-482F-9F26-AA302B8892DF}" type="datetimeFigureOut">
               <a:rPr lang="es-ES" smtClean="0"/>
               <a:pPr/>
-              <a:t>05/02/2013</a:t>
+              <a:t>19/12/2013</a:t>
             </a:fld>
             <a:endParaRPr lang="es-ES"/>
           </a:p>
@@ -7365,7 +7481,7 @@
             <a:fld id="{807CB568-C05F-482F-9F26-AA302B8892DF}" type="datetimeFigureOut">
               <a:rPr lang="es-ES" smtClean="0"/>
               <a:pPr/>
-              <a:t>05/02/2013</a:t>
+              <a:t>19/12/2013</a:t>
             </a:fld>
             <a:endParaRPr lang="es-ES"/>
           </a:p>
@@ -7634,7 +7750,7 @@
             <a:fld id="{807CB568-C05F-482F-9F26-AA302B8892DF}" type="datetimeFigureOut">
               <a:rPr lang="es-ES" smtClean="0"/>
               <a:pPr/>
-              <a:t>05/02/2013</a:t>
+              <a:t>19/12/2013</a:t>
             </a:fld>
             <a:endParaRPr lang="es-ES"/>
           </a:p>
@@ -7885,7 +8001,7 @@
             <a:fld id="{807CB568-C05F-482F-9F26-AA302B8892DF}" type="datetimeFigureOut">
               <a:rPr lang="es-ES" smtClean="0"/>
               <a:pPr/>
-              <a:t>05/02/2013</a:t>
+              <a:t>19/12/2013</a:t>
             </a:fld>
             <a:endParaRPr lang="es-ES"/>
           </a:p>
@@ -11002,15 +11118,7 @@
                 <a:ea typeface="Calibri" pitchFamily="34" charset="0"/>
                 <a:cs typeface="Arial" pitchFamily="34" charset="0"/>
               </a:rPr>
-              <a:t>Blog</a:t>
-            </a:r>
-            <a:r>
-              <a:rPr lang="en-US" sz="2000" dirty="0" smtClean="0">
-                <a:latin typeface="Trebuchet MS" pitchFamily="34" charset="0"/>
-                <a:ea typeface="Calibri" pitchFamily="34" charset="0"/>
-                <a:cs typeface="Arial" pitchFamily="34" charset="0"/>
-              </a:rPr>
-              <a:t>: </a:t>
+              <a:t>Blog: </a:t>
             </a:r>
             <a:r>
               <a:rPr lang="en-US" sz="2000" dirty="0">
@@ -12665,7 +12773,156 @@
                   <a:srgbClr val="00823B"/>
                 </a:solidFill>
               </a:rPr>
-              <a:t> - Ejemplo</a:t>
+              <a:t> </a:t>
+            </a:r>
+            <a:r>
+              <a:rPr lang="es-PE" dirty="0" smtClean="0">
+                <a:solidFill>
+                  <a:srgbClr val="00823B"/>
+                </a:solidFill>
+              </a:rPr>
+              <a:t>– Google </a:t>
+            </a:r>
+            <a:r>
+              <a:rPr lang="es-PE" dirty="0" err="1" smtClean="0">
+                <a:solidFill>
+                  <a:srgbClr val="00823B"/>
+                </a:solidFill>
+              </a:rPr>
+              <a:t>Search</a:t>
+            </a:r>
+            <a:endParaRPr lang="es-PE" dirty="0">
+              <a:solidFill>
+                <a:srgbClr val="00823B"/>
+              </a:solidFill>
+            </a:endParaRPr>
+          </a:p>
+        </p:txBody>
+      </p:sp>
+      <p:pic>
+        <p:nvPicPr>
+          <p:cNvPr id="5" name="Imagen 4"/>
+          <p:cNvPicPr>
+            <a:picLocks noChangeAspect="1"/>
+          </p:cNvPicPr>
+          <p:nvPr/>
+        </p:nvPicPr>
+        <p:blipFill>
+          <a:blip r:embed="rId3"/>
+          <a:stretch>
+            <a:fillRect/>
+          </a:stretch>
+        </p:blipFill>
+        <p:spPr>
+          <a:xfrm>
+            <a:off x="790079" y="2132856"/>
+            <a:ext cx="7584529" cy="3090838"/>
+          </a:xfrm>
+          <a:prstGeom prst="rect">
+            <a:avLst/>
+          </a:prstGeom>
+          <a:noFill/>
+          <a:ln>
+            <a:noFill/>
+          </a:ln>
+        </p:spPr>
+      </p:pic>
+    </p:spTree>
+    <p:extLst>
+      <p:ext uri="{BB962C8B-B14F-4D97-AF65-F5344CB8AC3E}">
+        <p14:creationId xmlns:p14="http://schemas.microsoft.com/office/powerpoint/2010/main" val="4102200633"/>
+      </p:ext>
+    </p:extLst>
+  </p:cSld>
+  <p:clrMapOvr>
+    <a:masterClrMapping/>
+  </p:clrMapOvr>
+  <p:timing>
+    <p:tnLst>
+      <p:par>
+        <p:cTn id="1" dur="indefinite" restart="never" nodeType="tmRoot"/>
+      </p:par>
+    </p:tnLst>
+  </p:timing>
+</p:sld>
+</file>
+
+<file path=ppt/slides/slide25.xml><?xml version="1.0" encoding="utf-8"?>
+<p:sld xmlns:a="http://schemas.openxmlformats.org/drawingml/2006/main" xmlns:r="http://schemas.openxmlformats.org/officeDocument/2006/relationships" xmlns:p="http://schemas.openxmlformats.org/presentationml/2006/main">
+  <p:cSld>
+    <p:spTree>
+      <p:nvGrpSpPr>
+        <p:cNvPr id="1" name=""/>
+        <p:cNvGrpSpPr/>
+        <p:nvPr/>
+      </p:nvGrpSpPr>
+      <p:grpSpPr>
+        <a:xfrm>
+          <a:off x="0" y="0"/>
+          <a:ext cx="0" cy="0"/>
+          <a:chOff x="0" y="0"/>
+          <a:chExt cx="0" cy="0"/>
+        </a:xfrm>
+      </p:grpSpPr>
+      <p:sp>
+        <p:nvSpPr>
+          <p:cNvPr id="3" name="2 Título"/>
+          <p:cNvSpPr>
+            <a:spLocks noGrp="1"/>
+          </p:cNvSpPr>
+          <p:nvPr>
+            <p:ph type="title"/>
+          </p:nvPr>
+        </p:nvSpPr>
+        <p:spPr>
+          <a:xfrm>
+            <a:off x="467544" y="188640"/>
+            <a:ext cx="8229600" cy="724942"/>
+          </a:xfrm>
+        </p:spPr>
+        <p:txBody>
+          <a:bodyPr/>
+          <a:lstStyle/>
+          <a:p>
+            <a:r>
+              <a:rPr lang="es-PE" dirty="0" smtClean="0">
+                <a:solidFill>
+                  <a:srgbClr val="00823B"/>
+                </a:solidFill>
+              </a:rPr>
+              <a:t>Page </a:t>
+            </a:r>
+            <a:r>
+              <a:rPr lang="es-PE" dirty="0" err="1" smtClean="0">
+                <a:solidFill>
+                  <a:srgbClr val="00823B"/>
+                </a:solidFill>
+              </a:rPr>
+              <a:t>Object</a:t>
+            </a:r>
+            <a:r>
+              <a:rPr lang="es-PE" dirty="0" smtClean="0">
+                <a:solidFill>
+                  <a:srgbClr val="00823B"/>
+                </a:solidFill>
+              </a:rPr>
+              <a:t> </a:t>
+            </a:r>
+            <a:r>
+              <a:rPr lang="es-PE" dirty="0" smtClean="0">
+                <a:solidFill>
+                  <a:srgbClr val="00823B"/>
+                </a:solidFill>
+              </a:rPr>
+              <a:t>– Google </a:t>
+            </a:r>
+            <a:r>
+              <a:rPr lang="es-PE" dirty="0" err="1" smtClean="0">
+                <a:solidFill>
+                  <a:srgbClr val="00823B"/>
+                </a:solidFill>
+              </a:rPr>
+              <a:t>Search</a:t>
             </a:r>
             <a:endParaRPr lang="es-PE" dirty="0">
               <a:solidFill>
@@ -12779,7 +13036,7 @@
     </p:spTree>
     <p:extLst>
       <p:ext uri="{BB962C8B-B14F-4D97-AF65-F5344CB8AC3E}">
-        <p14:creationId xmlns:p14="http://schemas.microsoft.com/office/powerpoint/2010/main" val="4102200633"/>
+        <p14:creationId xmlns:p14="http://schemas.microsoft.com/office/powerpoint/2010/main" val="1858410096"/>
       </p:ext>
     </p:extLst>
   </p:cSld>
@@ -12796,7 +13053,7 @@
 </p:sld>
 </file>
 
-<file path=ppt/slides/slide25.xml><?xml version="1.0" encoding="utf-8"?>
+<file path=ppt/slides/slide26.xml><?xml version="1.0" encoding="utf-8"?>
 <p:sld xmlns:a="http://schemas.openxmlformats.org/drawingml/2006/main" xmlns:r="http://schemas.openxmlformats.org/officeDocument/2006/relationships" xmlns:p="http://schemas.openxmlformats.org/presentationml/2006/main">
   <p:cSld>
     <p:spTree>
@@ -12855,7 +13112,23 @@
                   <a:srgbClr val="00823B"/>
                 </a:solidFill>
               </a:rPr>
-              <a:t> - Ejemplo</a:t>
+              <a:t> </a:t>
+            </a:r>
+            <a:r>
+              <a:rPr lang="es-PE" dirty="0" smtClean="0">
+                <a:solidFill>
+                  <a:srgbClr val="00823B"/>
+                </a:solidFill>
+              </a:rPr>
+              <a:t>– Google </a:t>
+            </a:r>
+            <a:r>
+              <a:rPr lang="es-PE" dirty="0" err="1" smtClean="0">
+                <a:solidFill>
+                  <a:srgbClr val="00823B"/>
+                </a:solidFill>
+              </a:rPr>
+              <a:t>Search</a:t>
             </a:r>
             <a:endParaRPr lang="es-PE" dirty="0">
               <a:solidFill>
@@ -12994,7 +13267,7 @@
 </p:sld>
 </file>
 
-<file path=ppt/slides/slide26.xml><?xml version="1.0" encoding="utf-8"?>
+<file path=ppt/slides/slide27.xml><?xml version="1.0" encoding="utf-8"?>
 <p:sld xmlns:a="http://schemas.openxmlformats.org/drawingml/2006/main" xmlns:r="http://schemas.openxmlformats.org/officeDocument/2006/relationships" xmlns:p="http://schemas.openxmlformats.org/presentationml/2006/main">
   <p:cSld>
     <p:spTree>
@@ -13097,7 +13370,7 @@
 </p:sld>
 </file>
 
-<file path=ppt/slides/slide27.xml><?xml version="1.0" encoding="utf-8"?>
+<file path=ppt/slides/slide28.xml><?xml version="1.0" encoding="utf-8"?>
 <p:sld xmlns:a="http://schemas.openxmlformats.org/drawingml/2006/main" xmlns:r="http://schemas.openxmlformats.org/officeDocument/2006/relationships" xmlns:p="http://schemas.openxmlformats.org/presentationml/2006/main">
   <p:cSld>
     <p:spTree>
@@ -13550,101 +13823,6 @@
 </p:sld>
 </file>
 
-<file path=ppt/slides/slide28.xml><?xml version="1.0" encoding="utf-8"?>
-<p:sld xmlns:a="http://schemas.openxmlformats.org/drawingml/2006/main" xmlns:r="http://schemas.openxmlformats.org/officeDocument/2006/relationships" xmlns:p="http://schemas.openxmlformats.org/presentationml/2006/main">
-  <p:cSld>
-    <p:spTree>
-      <p:nvGrpSpPr>
-        <p:cNvPr id="1" name=""/>
-        <p:cNvGrpSpPr/>
-        <p:nvPr/>
-      </p:nvGrpSpPr>
-      <p:grpSpPr>
-        <a:xfrm>
-          <a:off x="0" y="0"/>
-          <a:ext cx="0" cy="0"/>
-          <a:chOff x="0" y="0"/>
-          <a:chExt cx="0" cy="0"/>
-        </a:xfrm>
-      </p:grpSpPr>
-      <p:sp>
-        <p:nvSpPr>
-          <p:cNvPr id="3" name="2 Título"/>
-          <p:cNvSpPr>
-            <a:spLocks noGrp="1"/>
-          </p:cNvSpPr>
-          <p:nvPr>
-            <p:ph type="title"/>
-          </p:nvPr>
-        </p:nvSpPr>
-        <p:spPr>
-          <a:xfrm>
-            <a:off x="683568" y="188736"/>
-            <a:ext cx="8229600" cy="864000"/>
-          </a:xfrm>
-        </p:spPr>
-        <p:txBody>
-          <a:bodyPr/>
-          <a:lstStyle/>
-          <a:p>
-            <a:r>
-              <a:rPr lang="es-PE" dirty="0" smtClean="0">
-                <a:solidFill>
-                  <a:srgbClr val="00823B"/>
-                </a:solidFill>
-              </a:rPr>
-              <a:t>Proporción de los Tipos de Pruebas</a:t>
-            </a:r>
-            <a:endParaRPr lang="es-PE" dirty="0">
-              <a:solidFill>
-                <a:srgbClr val="00823B"/>
-              </a:solidFill>
-            </a:endParaRPr>
-          </a:p>
-        </p:txBody>
-      </p:sp>
-      <p:graphicFrame>
-        <p:nvGraphicFramePr>
-          <p:cNvPr id="2" name="1 Gráfico"/>
-          <p:cNvGraphicFramePr/>
-          <p:nvPr>
-            <p:extLst>
-              <p:ext uri="{D42A27DB-BD31-4B8C-83A1-F6EECF244321}">
-                <p14:modId xmlns:p14="http://schemas.microsoft.com/office/powerpoint/2010/main" val="2386624454"/>
-              </p:ext>
-            </p:extLst>
-          </p:nvPr>
-        </p:nvGraphicFramePr>
-        <p:xfrm>
-          <a:off x="1043608" y="1268760"/>
-          <a:ext cx="7080448" cy="4840312"/>
-        </p:xfrm>
-        <a:graphic>
-          <a:graphicData uri="http://schemas.openxmlformats.org/drawingml/2006/chart">
-            <c:chart xmlns:c="http://schemas.openxmlformats.org/drawingml/2006/chart" xmlns:r="http://schemas.openxmlformats.org/officeDocument/2006/relationships" r:id="rId3"/>
-          </a:graphicData>
-        </a:graphic>
-      </p:graphicFrame>
-    </p:spTree>
-    <p:extLst>
-      <p:ext uri="{BB962C8B-B14F-4D97-AF65-F5344CB8AC3E}">
-        <p14:creationId xmlns:p14="http://schemas.microsoft.com/office/powerpoint/2010/main" val="4027035452"/>
-      </p:ext>
-    </p:extLst>
-  </p:cSld>
-  <p:clrMapOvr>
-    <a:masterClrMapping/>
-  </p:clrMapOvr>
-  <p:timing>
-    <p:tnLst>
-      <p:par>
-        <p:cTn id="1" dur="indefinite" restart="never" nodeType="tmRoot"/>
-      </p:par>
-    </p:tnLst>
-  </p:timing>
-</p:sld>
-</file>
-
 <file path=ppt/slides/slide29.xml><?xml version="1.0" encoding="utf-8"?>
 <p:sld xmlns:a="http://schemas.openxmlformats.org/drawingml/2006/main" xmlns:r="http://schemas.openxmlformats.org/officeDocument/2006/relationships" xmlns:p="http://schemas.openxmlformats.org/presentationml/2006/main">
   <p:cSld>
@@ -13674,8 +13852,8 @@
         </p:nvSpPr>
         <p:spPr>
           <a:xfrm>
-            <a:off x="524338" y="216030"/>
-            <a:ext cx="8229600" cy="724942"/>
+            <a:off x="683568" y="188736"/>
+            <a:ext cx="8229600" cy="864000"/>
           </a:xfrm>
         </p:spPr>
         <p:txBody>
@@ -13688,7 +13866,7 @@
                   <a:srgbClr val="00823B"/>
                 </a:solidFill>
               </a:rPr>
-              <a:t>Información Adicional</a:t>
+              <a:t>Proporción de los Tipos de Pruebas</a:t>
             </a:r>
             <a:endParaRPr lang="es-PE" dirty="0">
               <a:solidFill>
@@ -13698,186 +13876,32 @@
           </a:p>
         </p:txBody>
       </p:sp>
-      <p:sp>
-        <p:nvSpPr>
-          <p:cNvPr id="13" name="12 CuadroTexto"/>
-          <p:cNvSpPr txBox="1"/>
-          <p:nvPr/>
-        </p:nvSpPr>
-        <p:spPr>
-          <a:xfrm>
-            <a:off x="209672" y="1124744"/>
-            <a:ext cx="8712968" cy="3046988"/>
-          </a:xfrm>
-          <a:prstGeom prst="rect">
-            <a:avLst/>
-          </a:prstGeom>
-          <a:noFill/>
-        </p:spPr>
-        <p:txBody>
-          <a:bodyPr wrap="square" rtlCol="0">
-            <a:spAutoFit/>
-          </a:bodyPr>
-          <a:lstStyle/>
-          <a:p>
-            <a:pPr marL="457200" indent="-457200">
-              <a:buFont typeface="Arial" pitchFamily="34" charset="0"/>
-              <a:buChar char="•"/>
-            </a:pPr>
-            <a:r>
-              <a:rPr lang="es-PE" sz="2400" dirty="0" err="1" smtClean="0"/>
-              <a:t>Selenium</a:t>
-            </a:r>
-            <a:r>
-              <a:rPr lang="es-PE" sz="2400" dirty="0" smtClean="0"/>
-              <a:t> </a:t>
-            </a:r>
-            <a:r>
-              <a:rPr lang="es-PE" sz="2400" dirty="0" err="1" smtClean="0"/>
-              <a:t>Downloads</a:t>
-            </a:r>
-            <a:r>
-              <a:rPr lang="es-PE" sz="2400" dirty="0" smtClean="0"/>
-              <a:t>:</a:t>
-            </a:r>
-            <a:br>
-              <a:rPr lang="es-PE" sz="2400" dirty="0" smtClean="0"/>
-            </a:br>
-            <a:r>
-              <a:rPr lang="es-PE" sz="2400" dirty="0" smtClean="0">
-                <a:solidFill>
-                  <a:srgbClr val="FFC000"/>
-                </a:solidFill>
-              </a:rPr>
-              <a:t>http</a:t>
-            </a:r>
-            <a:r>
-              <a:rPr lang="es-PE" sz="2400" dirty="0">
-                <a:solidFill>
-                  <a:srgbClr val="FFC000"/>
-                </a:solidFill>
-              </a:rPr>
-              <a:t>://seleniumhq.org/download</a:t>
-            </a:r>
-            <a:r>
-              <a:rPr lang="es-PE" sz="2400" dirty="0" smtClean="0">
-                <a:solidFill>
-                  <a:srgbClr val="FFC000"/>
-                </a:solidFill>
-              </a:rPr>
-              <a:t>/</a:t>
-            </a:r>
-          </a:p>
-          <a:p>
-            <a:pPr marL="457200" indent="-457200">
-              <a:buFont typeface="Arial" pitchFamily="34" charset="0"/>
-              <a:buChar char="•"/>
-            </a:pPr>
-            <a:endParaRPr lang="es-PE" sz="2400" dirty="0" smtClean="0"/>
-          </a:p>
-          <a:p>
-            <a:pPr marL="457200" indent="-457200">
-              <a:buFont typeface="Arial" pitchFamily="34" charset="0"/>
-              <a:buChar char="•"/>
-            </a:pPr>
-            <a:r>
-              <a:rPr lang="es-PE" sz="2400" dirty="0" err="1" smtClean="0"/>
-              <a:t>XPath</a:t>
-            </a:r>
-            <a:r>
-              <a:rPr lang="es-PE" sz="2400" dirty="0"/>
-              <a:t> </a:t>
-            </a:r>
-            <a:r>
-              <a:rPr lang="es-PE" sz="2400" dirty="0" err="1" smtClean="0"/>
-              <a:t>Documentation</a:t>
-            </a:r>
-            <a:r>
-              <a:rPr lang="es-PE" sz="2400" dirty="0" smtClean="0"/>
-              <a:t>:</a:t>
-            </a:r>
-            <a:r>
-              <a:rPr lang="es-PE" sz="2400" dirty="0"/>
-              <a:t/>
-            </a:r>
-            <a:br>
-              <a:rPr lang="es-PE" sz="2400" dirty="0"/>
-            </a:br>
-            <a:r>
-              <a:rPr lang="es-PE" sz="2400" dirty="0">
-                <a:solidFill>
-                  <a:srgbClr val="FFC000"/>
-                </a:solidFill>
-              </a:rPr>
-              <a:t>http://</a:t>
-            </a:r>
-            <a:r>
-              <a:rPr lang="es-PE" sz="2400" dirty="0" smtClean="0">
-                <a:solidFill>
-                  <a:srgbClr val="FFC000"/>
-                </a:solidFill>
-              </a:rPr>
-              <a:t>www.w3schools.com/xpath/default.asp</a:t>
-            </a:r>
-          </a:p>
-          <a:p>
-            <a:pPr marL="457200" indent="-457200">
-              <a:buFont typeface="Arial" pitchFamily="34" charset="0"/>
-              <a:buChar char="•"/>
-            </a:pPr>
-            <a:endParaRPr lang="es-PE" sz="2400" dirty="0">
-              <a:solidFill>
-                <a:srgbClr val="FFC000"/>
-              </a:solidFill>
-            </a:endParaRPr>
-          </a:p>
-          <a:p>
-            <a:pPr marL="457200" indent="-457200">
-              <a:buFont typeface="Arial" pitchFamily="34" charset="0"/>
-              <a:buChar char="•"/>
-            </a:pPr>
-            <a:r>
-              <a:rPr lang="es-PE" sz="2400" dirty="0" smtClean="0"/>
-              <a:t>Cómo utilizar </a:t>
-            </a:r>
-            <a:r>
-              <a:rPr lang="es-PE" sz="2400" dirty="0" err="1" smtClean="0"/>
-              <a:t>WebDriver</a:t>
-            </a:r>
-            <a:r>
-              <a:rPr lang="es-PE" sz="2400" dirty="0" smtClean="0"/>
-              <a:t> con IE</a:t>
-            </a:r>
-            <a:r>
-              <a:rPr lang="es-PE" sz="2400" dirty="0">
-                <a:solidFill>
-                  <a:srgbClr val="FFC000"/>
-                </a:solidFill>
-              </a:rPr>
-              <a:t/>
-            </a:r>
-            <a:br>
-              <a:rPr lang="es-PE" sz="2400" dirty="0">
-                <a:solidFill>
-                  <a:srgbClr val="FFC000"/>
-                </a:solidFill>
-              </a:rPr>
-            </a:br>
-            <a:r>
-              <a:rPr lang="es-PE" sz="2400" dirty="0">
-                <a:solidFill>
-                  <a:srgbClr val="FFC000"/>
-                </a:solidFill>
-              </a:rPr>
-              <a:t>http://www.jimmycollins.org/blog/?p=583</a:t>
-            </a:r>
-          </a:p>
-        </p:txBody>
-      </p:sp>
+      <p:graphicFrame>
+        <p:nvGraphicFramePr>
+          <p:cNvPr id="2" name="1 Gráfico"/>
+          <p:cNvGraphicFramePr/>
+          <p:nvPr>
+            <p:extLst>
+              <p:ext uri="{D42A27DB-BD31-4B8C-83A1-F6EECF244321}">
+                <p14:modId xmlns:p14="http://schemas.microsoft.com/office/powerpoint/2010/main" val="2386624454"/>
+              </p:ext>
+            </p:extLst>
+          </p:nvPr>
+        </p:nvGraphicFramePr>
+        <p:xfrm>
+          <a:off x="1043608" y="1268760"/>
+          <a:ext cx="7080448" cy="4840312"/>
+        </p:xfrm>
+        <a:graphic>
+          <a:graphicData uri="http://schemas.openxmlformats.org/drawingml/2006/chart">
+            <c:chart xmlns:c="http://schemas.openxmlformats.org/drawingml/2006/chart" xmlns:r="http://schemas.openxmlformats.org/officeDocument/2006/relationships" r:id="rId3"/>
+          </a:graphicData>
+        </a:graphic>
+      </p:graphicFrame>
     </p:spTree>
     <p:extLst>
       <p:ext uri="{BB962C8B-B14F-4D97-AF65-F5344CB8AC3E}">
-        <p14:creationId xmlns:p14="http://schemas.microsoft.com/office/powerpoint/2010/main" val="3278265059"/>
+        <p14:creationId xmlns:p14="http://schemas.microsoft.com/office/powerpoint/2010/main" val="4027035452"/>
       </p:ext>
     </p:extLst>
   </p:cSld>
@@ -14808,6 +14832,255 @@
 </p:sld>
 </file>
 
+<file path=ppt/slides/slide30.xml><?xml version="1.0" encoding="utf-8"?>
+<p:sld xmlns:a="http://schemas.openxmlformats.org/drawingml/2006/main" xmlns:r="http://schemas.openxmlformats.org/officeDocument/2006/relationships" xmlns:p="http://schemas.openxmlformats.org/presentationml/2006/main">
+  <p:cSld>
+    <p:spTree>
+      <p:nvGrpSpPr>
+        <p:cNvPr id="1" name=""/>
+        <p:cNvGrpSpPr/>
+        <p:nvPr/>
+      </p:nvGrpSpPr>
+      <p:grpSpPr>
+        <a:xfrm>
+          <a:off x="0" y="0"/>
+          <a:ext cx="0" cy="0"/>
+          <a:chOff x="0" y="0"/>
+          <a:chExt cx="0" cy="0"/>
+        </a:xfrm>
+      </p:grpSpPr>
+      <p:sp>
+        <p:nvSpPr>
+          <p:cNvPr id="3" name="2 Título"/>
+          <p:cNvSpPr>
+            <a:spLocks noGrp="1"/>
+          </p:cNvSpPr>
+          <p:nvPr>
+            <p:ph type="title"/>
+          </p:nvPr>
+        </p:nvSpPr>
+        <p:spPr>
+          <a:xfrm>
+            <a:off x="524338" y="216030"/>
+            <a:ext cx="8229600" cy="724942"/>
+          </a:xfrm>
+        </p:spPr>
+        <p:txBody>
+          <a:bodyPr/>
+          <a:lstStyle/>
+          <a:p>
+            <a:r>
+              <a:rPr lang="es-PE" dirty="0" smtClean="0">
+                <a:solidFill>
+                  <a:srgbClr val="00823B"/>
+                </a:solidFill>
+              </a:rPr>
+              <a:t>Información Adicional</a:t>
+            </a:r>
+            <a:endParaRPr lang="es-PE" dirty="0">
+              <a:solidFill>
+                <a:srgbClr val="00823B"/>
+              </a:solidFill>
+            </a:endParaRPr>
+          </a:p>
+        </p:txBody>
+      </p:sp>
+      <p:sp>
+        <p:nvSpPr>
+          <p:cNvPr id="13" name="12 CuadroTexto"/>
+          <p:cNvSpPr txBox="1"/>
+          <p:nvPr/>
+        </p:nvSpPr>
+        <p:spPr>
+          <a:xfrm>
+            <a:off x="209672" y="1124744"/>
+            <a:ext cx="8712968" cy="3046988"/>
+          </a:xfrm>
+          <a:prstGeom prst="rect">
+            <a:avLst/>
+          </a:prstGeom>
+          <a:noFill/>
+        </p:spPr>
+        <p:txBody>
+          <a:bodyPr wrap="square" rtlCol="0">
+            <a:spAutoFit/>
+          </a:bodyPr>
+          <a:lstStyle/>
+          <a:p>
+            <a:pPr marL="457200" indent="-457200">
+              <a:buFont typeface="Arial" pitchFamily="34" charset="0"/>
+              <a:buChar char="•"/>
+            </a:pPr>
+            <a:r>
+              <a:rPr lang="es-PE" sz="2400" dirty="0" err="1" smtClean="0"/>
+              <a:t>Selenium</a:t>
+            </a:r>
+            <a:r>
+              <a:rPr lang="es-PE" sz="2400" dirty="0" smtClean="0"/>
+              <a:t> </a:t>
+            </a:r>
+            <a:r>
+              <a:rPr lang="es-PE" sz="2400" dirty="0" err="1" smtClean="0"/>
+              <a:t>Downloads</a:t>
+            </a:r>
+            <a:r>
+              <a:rPr lang="es-PE" sz="2400" dirty="0" smtClean="0"/>
+              <a:t>:</a:t>
+            </a:r>
+            <a:br>
+              <a:rPr lang="es-PE" sz="2400" dirty="0" smtClean="0"/>
+            </a:br>
+            <a:r>
+              <a:rPr lang="es-PE" sz="2400" dirty="0" smtClean="0">
+                <a:solidFill>
+                  <a:srgbClr val="FFC000"/>
+                </a:solidFill>
+              </a:rPr>
+              <a:t>http</a:t>
+            </a:r>
+            <a:r>
+              <a:rPr lang="es-PE" sz="2400" dirty="0">
+                <a:solidFill>
+                  <a:srgbClr val="FFC000"/>
+                </a:solidFill>
+              </a:rPr>
+              <a:t>://seleniumhq.org/download</a:t>
+            </a:r>
+            <a:r>
+              <a:rPr lang="es-PE" sz="2400" dirty="0" smtClean="0">
+                <a:solidFill>
+                  <a:srgbClr val="FFC000"/>
+                </a:solidFill>
+              </a:rPr>
+              <a:t>/</a:t>
+            </a:r>
+          </a:p>
+          <a:p>
+            <a:pPr marL="457200" indent="-457200">
+              <a:buFont typeface="Arial" pitchFamily="34" charset="0"/>
+              <a:buChar char="•"/>
+            </a:pPr>
+            <a:endParaRPr lang="es-PE" sz="2400" dirty="0" smtClean="0"/>
+          </a:p>
+          <a:p>
+            <a:pPr marL="457200" indent="-457200">
+              <a:buFont typeface="Arial" pitchFamily="34" charset="0"/>
+              <a:buChar char="•"/>
+            </a:pPr>
+            <a:r>
+              <a:rPr lang="es-PE" sz="2400" dirty="0" err="1" smtClean="0"/>
+              <a:t>XPath</a:t>
+            </a:r>
+            <a:r>
+              <a:rPr lang="es-PE" sz="2400" dirty="0"/>
+              <a:t> </a:t>
+            </a:r>
+            <a:r>
+              <a:rPr lang="es-PE" sz="2400" dirty="0" err="1" smtClean="0"/>
+              <a:t>Documentation</a:t>
+            </a:r>
+            <a:r>
+              <a:rPr lang="es-PE" sz="2400" dirty="0" smtClean="0"/>
+              <a:t>:</a:t>
+            </a:r>
+            <a:r>
+              <a:rPr lang="es-PE" sz="2400" dirty="0"/>
+              <a:t/>
+            </a:r>
+            <a:br>
+              <a:rPr lang="es-PE" sz="2400" dirty="0"/>
+            </a:br>
+            <a:r>
+              <a:rPr lang="es-PE" sz="2400" dirty="0">
+                <a:solidFill>
+                  <a:srgbClr val="FFC000"/>
+                </a:solidFill>
+              </a:rPr>
+              <a:t>http://</a:t>
+            </a:r>
+            <a:r>
+              <a:rPr lang="es-PE" sz="2400" dirty="0" smtClean="0">
+                <a:solidFill>
+                  <a:srgbClr val="FFC000"/>
+                </a:solidFill>
+              </a:rPr>
+              <a:t>www.w3schools.com/xpath/default.asp</a:t>
+            </a:r>
+          </a:p>
+          <a:p>
+            <a:pPr marL="457200" indent="-457200">
+              <a:buFont typeface="Arial" pitchFamily="34" charset="0"/>
+              <a:buChar char="•"/>
+            </a:pPr>
+            <a:endParaRPr lang="es-PE" sz="2400" dirty="0">
+              <a:solidFill>
+                <a:srgbClr val="FFC000"/>
+              </a:solidFill>
+            </a:endParaRPr>
+          </a:p>
+          <a:p>
+            <a:pPr marL="457200" indent="-457200">
+              <a:buFont typeface="Arial" pitchFamily="34" charset="0"/>
+              <a:buChar char="•"/>
+            </a:pPr>
+            <a:r>
+              <a:rPr lang="es-PE" sz="2400" dirty="0" smtClean="0"/>
+              <a:t>Cómo utilizar </a:t>
+            </a:r>
+            <a:r>
+              <a:rPr lang="es-PE" sz="2400" dirty="0" err="1" smtClean="0"/>
+              <a:t>WebDriver</a:t>
+            </a:r>
+            <a:r>
+              <a:rPr lang="es-PE" sz="2400" dirty="0" smtClean="0"/>
+              <a:t> con IE</a:t>
+            </a:r>
+            <a:r>
+              <a:rPr lang="es-PE" sz="2400" dirty="0">
+                <a:solidFill>
+                  <a:srgbClr val="FFC000"/>
+                </a:solidFill>
+              </a:rPr>
+              <a:t/>
+            </a:r>
+            <a:br>
+              <a:rPr lang="es-PE" sz="2400" dirty="0">
+                <a:solidFill>
+                  <a:srgbClr val="FFC000"/>
+                </a:solidFill>
+              </a:rPr>
+            </a:br>
+            <a:r>
+              <a:rPr lang="es-PE" sz="2400" dirty="0">
+                <a:solidFill>
+                  <a:srgbClr val="FFC000"/>
+                </a:solidFill>
+              </a:rPr>
+              <a:t>http://www.jimmycollins.org/blog/?p=583</a:t>
+            </a:r>
+          </a:p>
+        </p:txBody>
+      </p:sp>
+    </p:spTree>
+    <p:extLst>
+      <p:ext uri="{BB962C8B-B14F-4D97-AF65-F5344CB8AC3E}">
+        <p14:creationId xmlns:p14="http://schemas.microsoft.com/office/powerpoint/2010/main" val="3278265059"/>
+      </p:ext>
+    </p:extLst>
+  </p:cSld>
+  <p:clrMapOvr>
+    <a:masterClrMapping/>
+  </p:clrMapOvr>
+  <p:timing>
+    <p:tnLst>
+      <p:par>
+        <p:cTn id="1" dur="indefinite" restart="never" nodeType="tmRoot"/>
+      </p:par>
+    </p:tnLst>
+  </p:timing>
+</p:sld>
+</file>
+
 <file path=ppt/slides/slide4.xml><?xml version="1.0" encoding="utf-8"?>
 <p:sld xmlns:a="http://schemas.openxmlformats.org/drawingml/2006/main" xmlns:r="http://schemas.openxmlformats.org/officeDocument/2006/relationships" xmlns:p="http://schemas.openxmlformats.org/presentationml/2006/main">
   <p:cSld>
